--- a/Stuff/Flow diagram.pptx
+++ b/Stuff/Flow diagram.pptx
@@ -104,6 +104,11 @@
       </a:defRPr>
     </a:lvl9pPr>
   </p:defaultTextStyle>
+  <p:extLst>
+    <p:ext uri="{EFAFB233-063F-42B5-8137-9DF3F51BA10A}">
+      <p15:sldGuideLst xmlns:p15="http://schemas.microsoft.com/office/powerpoint/2012/main"/>
+    </p:ext>
+  </p:extLst>
 </p:presentation>
 </file>
 
@@ -238,7 +243,7 @@
           <a:p>
             <a:fld id="{395C2625-D99E-4D1C-B382-B922975F43A7}" type="datetimeFigureOut">
               <a:rPr lang="en-US" smtClean="0"/>
-              <a:t>10-Jan-18</a:t>
+              <a:t>15-Apr-18</a:t>
             </a:fld>
             <a:endParaRPr lang="en-US"/>
           </a:p>
@@ -408,7 +413,7 @@
           <a:p>
             <a:fld id="{395C2625-D99E-4D1C-B382-B922975F43A7}" type="datetimeFigureOut">
               <a:rPr lang="en-US" smtClean="0"/>
-              <a:t>10-Jan-18</a:t>
+              <a:t>15-Apr-18</a:t>
             </a:fld>
             <a:endParaRPr lang="en-US"/>
           </a:p>
@@ -588,7 +593,7 @@
           <a:p>
             <a:fld id="{395C2625-D99E-4D1C-B382-B922975F43A7}" type="datetimeFigureOut">
               <a:rPr lang="en-US" smtClean="0"/>
-              <a:t>10-Jan-18</a:t>
+              <a:t>15-Apr-18</a:t>
             </a:fld>
             <a:endParaRPr lang="en-US"/>
           </a:p>
@@ -758,7 +763,7 @@
           <a:p>
             <a:fld id="{395C2625-D99E-4D1C-B382-B922975F43A7}" type="datetimeFigureOut">
               <a:rPr lang="en-US" smtClean="0"/>
-              <a:t>10-Jan-18</a:t>
+              <a:t>15-Apr-18</a:t>
             </a:fld>
             <a:endParaRPr lang="en-US"/>
           </a:p>
@@ -1004,7 +1009,7 @@
           <a:p>
             <a:fld id="{395C2625-D99E-4D1C-B382-B922975F43A7}" type="datetimeFigureOut">
               <a:rPr lang="en-US" smtClean="0"/>
-              <a:t>10-Jan-18</a:t>
+              <a:t>15-Apr-18</a:t>
             </a:fld>
             <a:endParaRPr lang="en-US"/>
           </a:p>
@@ -1236,7 +1241,7 @@
           <a:p>
             <a:fld id="{395C2625-D99E-4D1C-B382-B922975F43A7}" type="datetimeFigureOut">
               <a:rPr lang="en-US" smtClean="0"/>
-              <a:t>10-Jan-18</a:t>
+              <a:t>15-Apr-18</a:t>
             </a:fld>
             <a:endParaRPr lang="en-US"/>
           </a:p>
@@ -1603,7 +1608,7 @@
           <a:p>
             <a:fld id="{395C2625-D99E-4D1C-B382-B922975F43A7}" type="datetimeFigureOut">
               <a:rPr lang="en-US" smtClean="0"/>
-              <a:t>10-Jan-18</a:t>
+              <a:t>15-Apr-18</a:t>
             </a:fld>
             <a:endParaRPr lang="en-US"/>
           </a:p>
@@ -1721,7 +1726,7 @@
           <a:p>
             <a:fld id="{395C2625-D99E-4D1C-B382-B922975F43A7}" type="datetimeFigureOut">
               <a:rPr lang="en-US" smtClean="0"/>
-              <a:t>10-Jan-18</a:t>
+              <a:t>15-Apr-18</a:t>
             </a:fld>
             <a:endParaRPr lang="en-US"/>
           </a:p>
@@ -1816,7 +1821,7 @@
           <a:p>
             <a:fld id="{395C2625-D99E-4D1C-B382-B922975F43A7}" type="datetimeFigureOut">
               <a:rPr lang="en-US" smtClean="0"/>
-              <a:t>10-Jan-18</a:t>
+              <a:t>15-Apr-18</a:t>
             </a:fld>
             <a:endParaRPr lang="en-US"/>
           </a:p>
@@ -2093,7 +2098,7 @@
           <a:p>
             <a:fld id="{395C2625-D99E-4D1C-B382-B922975F43A7}" type="datetimeFigureOut">
               <a:rPr lang="en-US" smtClean="0"/>
-              <a:t>10-Jan-18</a:t>
+              <a:t>15-Apr-18</a:t>
             </a:fld>
             <a:endParaRPr lang="en-US"/>
           </a:p>
@@ -2346,7 +2351,7 @@
           <a:p>
             <a:fld id="{395C2625-D99E-4D1C-B382-B922975F43A7}" type="datetimeFigureOut">
               <a:rPr lang="en-US" smtClean="0"/>
-              <a:t>10-Jan-18</a:t>
+              <a:t>15-Apr-18</a:t>
             </a:fld>
             <a:endParaRPr lang="en-US"/>
           </a:p>
@@ -2559,7 +2564,7 @@
           <a:p>
             <a:fld id="{395C2625-D99E-4D1C-B382-B922975F43A7}" type="datetimeFigureOut">
               <a:rPr lang="en-US" smtClean="0"/>
-              <a:t>10-Jan-18</a:t>
+              <a:t>15-Apr-18</a:t>
             </a:fld>
             <a:endParaRPr lang="en-US"/>
           </a:p>
@@ -2972,8 +2977,8 @@
         </p:nvSpPr>
         <p:spPr>
           <a:xfrm>
-            <a:off x="4230708" y="399243"/>
-            <a:ext cx="2395470" cy="493759"/>
+            <a:off x="4243583" y="262724"/>
+            <a:ext cx="2395470" cy="427984"/>
           </a:xfrm>
           <a:prstGeom prst="rect">
             <a:avLst/>
@@ -3010,8 +3015,8 @@
         </p:nvSpPr>
         <p:spPr>
           <a:xfrm>
-            <a:off x="4861774" y="461457"/>
-            <a:ext cx="1133341" cy="369332"/>
+            <a:off x="4931167" y="282696"/>
+            <a:ext cx="1033188" cy="369332"/>
           </a:xfrm>
           <a:prstGeom prst="rect">
             <a:avLst/>
@@ -3026,7 +3031,7 @@
           <a:p>
             <a:r>
               <a:rPr lang="en-US" dirty="0" smtClean="0"/>
-              <a:t>DATABASE</a:t>
+              <a:t>DATASET</a:t>
             </a:r>
             <a:endParaRPr lang="en-US" dirty="0"/>
           </a:p>
@@ -3040,8 +3045,8 @@
         </p:nvSpPr>
         <p:spPr>
           <a:xfrm>
-            <a:off x="4288663" y="1350201"/>
-            <a:ext cx="2279561" cy="695462"/>
+            <a:off x="4301538" y="1002040"/>
+            <a:ext cx="2279561" cy="633147"/>
           </a:xfrm>
           <a:prstGeom prst="ellipse">
             <a:avLst/>
@@ -3078,7 +3083,7 @@
         </p:nvSpPr>
         <p:spPr>
           <a:xfrm>
-            <a:off x="4507605" y="1513266"/>
+            <a:off x="4481128" y="1122462"/>
             <a:ext cx="1985503" cy="369332"/>
           </a:xfrm>
           <a:prstGeom prst="rect">
@@ -3108,8 +3113,8 @@
         </p:nvSpPr>
         <p:spPr>
           <a:xfrm>
-            <a:off x="1635606" y="2432912"/>
-            <a:ext cx="1700011" cy="785611"/>
+            <a:off x="1635603" y="1917030"/>
+            <a:ext cx="1700011" cy="632988"/>
           </a:xfrm>
           <a:prstGeom prst="rect">
             <a:avLst/>
@@ -3146,7 +3151,7 @@
         </p:nvSpPr>
         <p:spPr>
           <a:xfrm>
-            <a:off x="1770832" y="2519481"/>
+            <a:off x="1770830" y="1913773"/>
             <a:ext cx="1429555" cy="646331"/>
           </a:xfrm>
           <a:prstGeom prst="rect">
@@ -3177,8 +3182,8 @@
         </p:nvSpPr>
         <p:spPr>
           <a:xfrm>
-            <a:off x="1410224" y="3741311"/>
-            <a:ext cx="2150773" cy="746975"/>
+            <a:off x="1410220" y="3140927"/>
+            <a:ext cx="2150773" cy="966020"/>
           </a:xfrm>
           <a:prstGeom prst="ellipse">
             <a:avLst/>
@@ -3215,8 +3220,8 @@
         </p:nvSpPr>
         <p:spPr>
           <a:xfrm>
-            <a:off x="1812696" y="3784001"/>
-            <a:ext cx="1429555" cy="646331"/>
+            <a:off x="1790149" y="3139567"/>
+            <a:ext cx="1429555" cy="923330"/>
           </a:xfrm>
           <a:prstGeom prst="rect">
             <a:avLst/>
@@ -3232,7 +3237,7 @@
             <a:pPr algn="ctr"/>
             <a:r>
               <a:rPr lang="en-US" dirty="0" smtClean="0"/>
-              <a:t>Classification algorithms</a:t>
+              <a:t>Apply classification algorithms</a:t>
             </a:r>
             <a:endParaRPr lang="en-US" dirty="0"/>
           </a:p>
@@ -3246,8 +3251,8 @@
         </p:nvSpPr>
         <p:spPr>
           <a:xfrm>
-            <a:off x="4353056" y="3739163"/>
-            <a:ext cx="2150773" cy="746975"/>
+            <a:off x="4430326" y="3336905"/>
+            <a:ext cx="2150773" cy="574064"/>
           </a:xfrm>
           <a:prstGeom prst="ellipse">
             <a:avLst/>
@@ -3284,8 +3289,8 @@
         </p:nvSpPr>
         <p:spPr>
           <a:xfrm>
-            <a:off x="4730830" y="3803318"/>
-            <a:ext cx="1429555" cy="646331"/>
+            <a:off x="4810252" y="3447276"/>
+            <a:ext cx="1429555" cy="369332"/>
           </a:xfrm>
           <a:prstGeom prst="rect">
             <a:avLst/>
@@ -3301,7 +3306,7 @@
             <a:pPr algn="ctr"/>
             <a:r>
               <a:rPr lang="en-US" dirty="0" smtClean="0"/>
-              <a:t>Build training model</a:t>
+              <a:t>Test models</a:t>
             </a:r>
             <a:endParaRPr lang="en-US" dirty="0"/>
           </a:p>
@@ -3315,8 +3320,8 @@
         </p:nvSpPr>
         <p:spPr>
           <a:xfrm>
-            <a:off x="7454719" y="3721994"/>
-            <a:ext cx="1700011" cy="785611"/>
+            <a:off x="7527704" y="3289338"/>
+            <a:ext cx="1700011" cy="669197"/>
           </a:xfrm>
           <a:prstGeom prst="rect">
             <a:avLst/>
@@ -3353,7 +3358,7 @@
         </p:nvSpPr>
         <p:spPr>
           <a:xfrm>
-            <a:off x="7589946" y="3778753"/>
+            <a:off x="7662933" y="3306294"/>
             <a:ext cx="1429555" cy="646331"/>
           </a:xfrm>
           <a:prstGeom prst="rect">
@@ -3384,7 +3389,7 @@
         </p:nvSpPr>
         <p:spPr>
           <a:xfrm>
-            <a:off x="4357343" y="5007735"/>
+            <a:off x="4430326" y="4299618"/>
             <a:ext cx="2150773" cy="746975"/>
           </a:xfrm>
           <a:prstGeom prst="ellipse">
@@ -3411,37 +3416,6 @@
           <a:p>
             <a:pPr algn="ctr"/>
             <a:endParaRPr lang="en-US"/>
-          </a:p>
-        </p:txBody>
-      </p:sp>
-      <p:sp>
-        <p:nvSpPr>
-          <p:cNvPr id="17" name="TextBox 16"/>
-          <p:cNvSpPr txBox="1"/>
-          <p:nvPr/>
-        </p:nvSpPr>
-        <p:spPr>
-          <a:xfrm>
-            <a:off x="4507605" y="5095500"/>
-            <a:ext cx="1880316" cy="646331"/>
-          </a:xfrm>
-          <a:prstGeom prst="rect">
-            <a:avLst/>
-          </a:prstGeom>
-          <a:noFill/>
-        </p:spPr>
-        <p:txBody>
-          <a:bodyPr wrap="square" rtlCol="0">
-            <a:spAutoFit/>
-          </a:bodyPr>
-          <a:lstStyle/>
-          <a:p>
-            <a:pPr algn="ctr"/>
-            <a:r>
-              <a:rPr lang="en-US" dirty="0" smtClean="0"/>
-              <a:t>Predict employee attrition</a:t>
-            </a:r>
-            <a:endParaRPr lang="en-US" dirty="0"/>
           </a:p>
         </p:txBody>
       </p:sp>
@@ -3456,8 +3430,8 @@
         </p:nvCxnSpPr>
         <p:spPr>
           <a:xfrm>
-            <a:off x="5428443" y="893002"/>
-            <a:ext cx="1" cy="457199"/>
+            <a:off x="5441318" y="690708"/>
+            <a:ext cx="1" cy="311332"/>
           </a:xfrm>
           <a:prstGeom prst="straightConnector1">
             <a:avLst/>
@@ -3492,8 +3466,8 @@
         </p:nvCxnSpPr>
         <p:spPr>
           <a:xfrm rot="10800000" flipV="1">
-            <a:off x="2485613" y="1697932"/>
-            <a:ext cx="1803051" cy="734980"/>
+            <a:off x="2485610" y="1318614"/>
+            <a:ext cx="1815929" cy="598416"/>
           </a:xfrm>
           <a:prstGeom prst="bentConnector2">
             <a:avLst/>
@@ -3528,8 +3502,8 @@
         </p:nvCxnSpPr>
         <p:spPr>
           <a:xfrm flipH="1">
-            <a:off x="2485611" y="3218523"/>
-            <a:ext cx="1" cy="522788"/>
+            <a:off x="2485607" y="2550018"/>
+            <a:ext cx="2" cy="590909"/>
           </a:xfrm>
           <a:prstGeom prst="straightConnector1">
             <a:avLst/>
@@ -3563,9 +3537,9 @@
           <p:nvPr/>
         </p:nvCxnSpPr>
         <p:spPr>
-          <a:xfrm flipV="1">
-            <a:off x="3560997" y="4112651"/>
-            <a:ext cx="792059" cy="2148"/>
+          <a:xfrm>
+            <a:off x="3560993" y="3623937"/>
+            <a:ext cx="869333" cy="0"/>
           </a:xfrm>
           <a:prstGeom prst="straightConnector1">
             <a:avLst/>
@@ -3599,9 +3573,9 @@
           <p:nvPr/>
         </p:nvCxnSpPr>
         <p:spPr>
-          <a:xfrm flipH="1" flipV="1">
-            <a:off x="6503829" y="4112651"/>
-            <a:ext cx="950890" cy="2149"/>
+          <a:xfrm flipH="1">
+            <a:off x="6581099" y="3623937"/>
+            <a:ext cx="946605" cy="0"/>
           </a:xfrm>
           <a:prstGeom prst="straightConnector1">
             <a:avLst/>
@@ -3636,8 +3610,8 @@
         </p:nvCxnSpPr>
         <p:spPr>
           <a:xfrm>
-            <a:off x="5428443" y="4486138"/>
-            <a:ext cx="4287" cy="521597"/>
+            <a:off x="5505713" y="3910969"/>
+            <a:ext cx="0" cy="388649"/>
           </a:xfrm>
           <a:prstGeom prst="straightConnector1">
             <a:avLst/>
@@ -3666,14 +3640,13 @@
           <p:cNvPr id="36" name="Elbow Connector 35"/>
           <p:cNvCxnSpPr>
             <a:stCxn id="6" idx="6"/>
-            <a:endCxn id="14" idx="0"/>
           </p:cNvCxnSpPr>
           <p:nvPr/>
         </p:nvCxnSpPr>
         <p:spPr>
           <a:xfrm>
-            <a:off x="6568224" y="1697932"/>
-            <a:ext cx="1736501" cy="2024062"/>
+            <a:off x="6581099" y="1318614"/>
+            <a:ext cx="1841684" cy="1952620"/>
           </a:xfrm>
           <a:prstGeom prst="bentConnector2">
             <a:avLst/>
@@ -3697,6 +3670,141 @@
           </a:fontRef>
         </p:style>
       </p:cxnSp>
+      <p:sp>
+        <p:nvSpPr>
+          <p:cNvPr id="68" name="TextBox 67"/>
+          <p:cNvSpPr txBox="1"/>
+          <p:nvPr/>
+        </p:nvSpPr>
+        <p:spPr>
+          <a:xfrm>
+            <a:off x="4870709" y="4349940"/>
+            <a:ext cx="1308640" cy="646331"/>
+          </a:xfrm>
+          <a:prstGeom prst="rect">
+            <a:avLst/>
+          </a:prstGeom>
+          <a:noFill/>
+        </p:spPr>
+        <p:txBody>
+          <a:bodyPr wrap="square" rtlCol="0">
+            <a:spAutoFit/>
+          </a:bodyPr>
+          <a:lstStyle/>
+          <a:p>
+            <a:pPr algn="ctr"/>
+            <a:r>
+              <a:rPr lang="en-US" dirty="0" smtClean="0"/>
+              <a:t>Identify best model</a:t>
+            </a:r>
+            <a:endParaRPr lang="en-US" dirty="0"/>
+          </a:p>
+        </p:txBody>
+      </p:sp>
+      <p:cxnSp>
+        <p:nvCxnSpPr>
+          <p:cNvPr id="69" name="Straight Arrow Connector 68"/>
+          <p:cNvCxnSpPr/>
+          <p:nvPr/>
+        </p:nvCxnSpPr>
+        <p:spPr>
+          <a:xfrm>
+            <a:off x="5525029" y="5046593"/>
+            <a:ext cx="0" cy="388649"/>
+          </a:xfrm>
+          <a:prstGeom prst="straightConnector1">
+            <a:avLst/>
+          </a:prstGeom>
+          <a:ln>
+            <a:tailEnd type="triangle"/>
+          </a:ln>
+        </p:spPr>
+        <p:style>
+          <a:lnRef idx="3">
+            <a:schemeClr val="dk1"/>
+          </a:lnRef>
+          <a:fillRef idx="0">
+            <a:schemeClr val="dk1"/>
+          </a:fillRef>
+          <a:effectRef idx="2">
+            <a:schemeClr val="dk1"/>
+          </a:effectRef>
+          <a:fontRef idx="minor">
+            <a:schemeClr val="tx1"/>
+          </a:fontRef>
+        </p:style>
+      </p:cxnSp>
+      <p:sp>
+        <p:nvSpPr>
+          <p:cNvPr id="70" name="Oval 69"/>
+          <p:cNvSpPr/>
+          <p:nvPr/>
+        </p:nvSpPr>
+        <p:spPr>
+          <a:xfrm>
+            <a:off x="4430326" y="5435242"/>
+            <a:ext cx="2201575" cy="746975"/>
+          </a:xfrm>
+          <a:prstGeom prst="ellipse">
+            <a:avLst/>
+          </a:prstGeom>
+        </p:spPr>
+        <p:style>
+          <a:lnRef idx="2">
+            <a:schemeClr val="dk1"/>
+          </a:lnRef>
+          <a:fillRef idx="1">
+            <a:schemeClr val="lt1"/>
+          </a:fillRef>
+          <a:effectRef idx="0">
+            <a:schemeClr val="dk1"/>
+          </a:effectRef>
+          <a:fontRef idx="minor">
+            <a:schemeClr val="dk1"/>
+          </a:fontRef>
+        </p:style>
+        <p:txBody>
+          <a:bodyPr rtlCol="0" anchor="ctr"/>
+          <a:lstStyle/>
+          <a:p>
+            <a:pPr algn="ctr"/>
+            <a:endParaRPr lang="en-US"/>
+          </a:p>
+        </p:txBody>
+      </p:sp>
+      <p:sp>
+        <p:nvSpPr>
+          <p:cNvPr id="71" name="TextBox 70"/>
+          <p:cNvSpPr txBox="1"/>
+          <p:nvPr/>
+        </p:nvSpPr>
+        <p:spPr>
+          <a:xfrm>
+            <a:off x="4624953" y="5524201"/>
+            <a:ext cx="1893190" cy="923330"/>
+          </a:xfrm>
+          <a:prstGeom prst="rect">
+            <a:avLst/>
+          </a:prstGeom>
+          <a:noFill/>
+        </p:spPr>
+        <p:txBody>
+          <a:bodyPr wrap="square" rtlCol="0">
+            <a:spAutoFit/>
+          </a:bodyPr>
+          <a:lstStyle/>
+          <a:p>
+            <a:pPr algn="ctr"/>
+            <a:r>
+              <a:rPr lang="en-US" dirty="0"/>
+              <a:t>Predict employee attrition</a:t>
+            </a:r>
+          </a:p>
+          <a:p>
+            <a:endParaRPr lang="en-US" dirty="0"/>
+          </a:p>
+        </p:txBody>
+      </p:sp>
     </p:spTree>
     <p:extLst>
       <p:ext uri="{BB962C8B-B14F-4D97-AF65-F5344CB8AC3E}">

--- a/Stuff/Flow diagram.pptx
+++ b/Stuff/Flow diagram.pptx
@@ -3015,8 +3015,8 @@
         </p:nvSpPr>
         <p:spPr>
           <a:xfrm>
-            <a:off x="4931167" y="282696"/>
-            <a:ext cx="1033188" cy="369332"/>
+            <a:off x="4481843" y="282696"/>
+            <a:ext cx="1854563" cy="369332"/>
           </a:xfrm>
           <a:prstGeom prst="rect">
             <a:avLst/>
@@ -3031,7 +3031,7 @@
           <a:p>
             <a:r>
               <a:rPr lang="en-US" dirty="0" smtClean="0"/>
-              <a:t>DATASET</a:t>
+              <a:t>HISTORICAL DATA</a:t>
             </a:r>
             <a:endParaRPr lang="en-US" dirty="0"/>
           </a:p>
@@ -3801,6 +3801,114 @@
             </a:r>
           </a:p>
           <a:p>
+            <a:endParaRPr lang="en-US" dirty="0"/>
+          </a:p>
+        </p:txBody>
+      </p:sp>
+      <p:sp>
+        <p:nvSpPr>
+          <p:cNvPr id="35" name="Rectangle 34"/>
+          <p:cNvSpPr/>
+          <p:nvPr/>
+        </p:nvSpPr>
+        <p:spPr>
+          <a:xfrm>
+            <a:off x="7527704" y="5594737"/>
+            <a:ext cx="2157219" cy="427984"/>
+          </a:xfrm>
+          <a:prstGeom prst="rect">
+            <a:avLst/>
+          </a:prstGeom>
+        </p:spPr>
+        <p:style>
+          <a:lnRef idx="2">
+            <a:schemeClr val="dk1"/>
+          </a:lnRef>
+          <a:fillRef idx="1">
+            <a:schemeClr val="lt1"/>
+          </a:fillRef>
+          <a:effectRef idx="0">
+            <a:schemeClr val="dk1"/>
+          </a:effectRef>
+          <a:fontRef idx="minor">
+            <a:schemeClr val="dk1"/>
+          </a:fontRef>
+        </p:style>
+        <p:txBody>
+          <a:bodyPr rtlCol="0" anchor="ctr"/>
+          <a:lstStyle/>
+          <a:p>
+            <a:pPr algn="ctr"/>
+            <a:endParaRPr lang="en-US"/>
+          </a:p>
+        </p:txBody>
+      </p:sp>
+      <p:cxnSp>
+        <p:nvCxnSpPr>
+          <p:cNvPr id="37" name="Straight Arrow Connector 36"/>
+          <p:cNvCxnSpPr>
+            <a:stCxn id="35" idx="1"/>
+            <a:endCxn id="70" idx="6"/>
+          </p:cNvCxnSpPr>
+          <p:nvPr/>
+        </p:nvCxnSpPr>
+        <p:spPr>
+          <a:xfrm flipH="1">
+            <a:off x="6631901" y="5808729"/>
+            <a:ext cx="895803" cy="1"/>
+          </a:xfrm>
+          <a:prstGeom prst="straightConnector1">
+            <a:avLst/>
+          </a:prstGeom>
+          <a:ln>
+            <a:tailEnd type="triangle"/>
+          </a:ln>
+        </p:spPr>
+        <p:style>
+          <a:lnRef idx="3">
+            <a:schemeClr val="dk1"/>
+          </a:lnRef>
+          <a:fillRef idx="0">
+            <a:schemeClr val="dk1"/>
+          </a:fillRef>
+          <a:effectRef idx="2">
+            <a:schemeClr val="dk1"/>
+          </a:effectRef>
+          <a:fontRef idx="minor">
+            <a:schemeClr val="tx1"/>
+          </a:fontRef>
+        </p:style>
+      </p:cxnSp>
+      <p:sp>
+        <p:nvSpPr>
+          <p:cNvPr id="38" name="TextBox 37"/>
+          <p:cNvSpPr txBox="1"/>
+          <p:nvPr/>
+        </p:nvSpPr>
+        <p:spPr>
+          <a:xfrm>
+            <a:off x="7830360" y="5639907"/>
+            <a:ext cx="1854563" cy="369332"/>
+          </a:xfrm>
+          <a:prstGeom prst="rect">
+            <a:avLst/>
+          </a:prstGeom>
+          <a:noFill/>
+        </p:spPr>
+        <p:txBody>
+          <a:bodyPr wrap="square" rtlCol="0">
+            <a:spAutoFit/>
+          </a:bodyPr>
+          <a:lstStyle/>
+          <a:p>
+            <a:r>
+              <a:rPr lang="en-US" dirty="0" smtClean="0"/>
+              <a:t>CURRENT</a:t>
+            </a:r>
+            <a:r>
+              <a:rPr lang="en-US" dirty="0" smtClean="0"/>
+              <a:t> DATA</a:t>
+            </a:r>
             <a:endParaRPr lang="en-US" dirty="0"/>
           </a:p>
         </p:txBody>
